--- a/Documents/FINAL/캡스톤_4조_최종데모_v0.7.pptx
+++ b/Documents/FINAL/캡스톤_4조_최종데모_v0.7.pptx
@@ -1333,7 +1333,7 @@
             <a:fld id="{9334D819-9F07-4261-B09B-9E467E5D9002}" type="datetimeFigureOut">
               <a:rPr lang="en-US" dirty="0"/>
               <a:pPr/>
-              <a:t>12/2/2018</a:t>
+              <a:t>12/3/2018</a:t>
             </a:fld>
             <a:endParaRPr lang="en-US" dirty="0"/>
           </a:p>
@@ -1567,7 +1567,7 @@
           <a:p>
             <a:fld id="{9334D819-9F07-4261-B09B-9E467E5D9002}" type="datetimeFigureOut">
               <a:rPr lang="en-US" dirty="0"/>
-              <a:t>12/2/2018</a:t>
+              <a:t>12/3/2018</a:t>
             </a:fld>
             <a:endParaRPr lang="en-US" dirty="0"/>
           </a:p>
@@ -1742,7 +1742,7 @@
           <a:p>
             <a:fld id="{9334D819-9F07-4261-B09B-9E467E5D9002}" type="datetimeFigureOut">
               <a:rPr lang="en-US" dirty="0"/>
-              <a:t>12/2/2018</a:t>
+              <a:t>12/3/2018</a:t>
             </a:fld>
             <a:endParaRPr lang="en-US" dirty="0"/>
           </a:p>
@@ -1907,7 +1907,7 @@
           <a:p>
             <a:fld id="{9334D819-9F07-4261-B09B-9E467E5D9002}" type="datetimeFigureOut">
               <a:rPr lang="en-US" dirty="0"/>
-              <a:t>12/2/2018</a:t>
+              <a:t>12/3/2018</a:t>
             </a:fld>
             <a:endParaRPr lang="en-US" dirty="0"/>
           </a:p>
@@ -2179,7 +2179,7 @@
             <a:fld id="{9334D819-9F07-4261-B09B-9E467E5D9002}" type="datetimeFigureOut">
               <a:rPr lang="en-US" dirty="0"/>
               <a:pPr/>
-              <a:t>12/2/2018</a:t>
+              <a:t>12/3/2018</a:t>
             </a:fld>
             <a:endParaRPr lang="en-US" dirty="0"/>
           </a:p>
@@ -3376,7 +3376,7 @@
           <a:p>
             <a:fld id="{9334D819-9F07-4261-B09B-9E467E5D9002}" type="datetimeFigureOut">
               <a:rPr lang="en-US" dirty="0"/>
-              <a:t>12/2/2018</a:t>
+              <a:t>12/3/2018</a:t>
             </a:fld>
             <a:endParaRPr lang="en-US" dirty="0"/>
           </a:p>
@@ -3761,7 +3761,7 @@
           <a:p>
             <a:fld id="{9334D819-9F07-4261-B09B-9E467E5D9002}" type="datetimeFigureOut">
               <a:rPr lang="en-US" dirty="0"/>
-              <a:t>12/2/2018</a:t>
+              <a:t>12/3/2018</a:t>
             </a:fld>
             <a:endParaRPr lang="en-US" dirty="0"/>
           </a:p>
@@ -3879,7 +3879,7 @@
           <a:p>
             <a:fld id="{9334D819-9F07-4261-B09B-9E467E5D9002}" type="datetimeFigureOut">
               <a:rPr lang="en-US" dirty="0"/>
-              <a:t>12/2/2018</a:t>
+              <a:t>12/3/2018</a:t>
             </a:fld>
             <a:endParaRPr lang="en-US" dirty="0"/>
           </a:p>
@@ -3969,7 +3969,7 @@
           <a:p>
             <a:fld id="{9334D819-9F07-4261-B09B-9E467E5D9002}" type="datetimeFigureOut">
               <a:rPr lang="en-US" dirty="0"/>
-              <a:t>12/2/2018</a:t>
+              <a:t>12/3/2018</a:t>
             </a:fld>
             <a:endParaRPr lang="en-US" dirty="0"/>
           </a:p>
@@ -4727,7 +4727,7 @@
           <a:p>
             <a:fld id="{9334D819-9F07-4261-B09B-9E467E5D9002}" type="datetimeFigureOut">
               <a:rPr lang="en-US" dirty="0"/>
-              <a:t>12/2/2018</a:t>
+              <a:t>12/3/2018</a:t>
             </a:fld>
             <a:endParaRPr lang="en-US" dirty="0"/>
           </a:p>
@@ -5562,7 +5562,7 @@
           <a:p>
             <a:fld id="{9334D819-9F07-4261-B09B-9E467E5D9002}" type="datetimeFigureOut">
               <a:rPr lang="en-US" dirty="0"/>
-              <a:t>12/2/2018</a:t>
+              <a:t>12/3/2018</a:t>
             </a:fld>
             <a:endParaRPr lang="en-US" dirty="0"/>
           </a:p>
@@ -5785,7 +5785,7 @@
             <a:fld id="{9334D819-9F07-4261-B09B-9E467E5D9002}" type="datetimeFigureOut">
               <a:rPr lang="en-US" dirty="0"/>
               <a:pPr/>
-              <a:t>12/2/2018</a:t>
+              <a:t>12/3/2018</a:t>
             </a:fld>
             <a:endParaRPr lang="en-US" dirty="0"/>
           </a:p>
@@ -9376,28 +9376,20 @@
               <a:t>– </a:t>
             </a:r>
             <a:r>
+              <a:rPr lang="ko-KR" altLang="en-US" sz="3400" b="1">
+                <a:latin typeface="함초롬돋움" panose="020B0604000101010101" pitchFamily="50" charset="-127"/>
+                <a:ea typeface="함초롬돋움" panose="020B0604000101010101" pitchFamily="50" charset="-127"/>
+                <a:cs typeface="함초롬돋움" panose="020B0604000101010101" pitchFamily="50" charset="-127"/>
+              </a:rPr>
+              <a:t>채점 기능 </a:t>
+            </a:r>
+            <a:r>
               <a:rPr lang="ko-KR" altLang="en-US" sz="3400" b="1" dirty="0">
                 <a:latin typeface="함초롬돋움" panose="020B0604000101010101" pitchFamily="50" charset="-127"/>
                 <a:ea typeface="함초롬돋움" panose="020B0604000101010101" pitchFamily="50" charset="-127"/>
                 <a:cs typeface="함초롬돋움" panose="020B0604000101010101" pitchFamily="50" charset="-127"/>
               </a:rPr>
-              <a:t>채점</a:t>
-            </a:r>
-            <a:r>
-              <a:rPr lang="en-US" altLang="ko-KR" sz="3400" b="1" dirty="0">
-                <a:latin typeface="함초롬돋움" panose="020B0604000101010101" pitchFamily="50" charset="-127"/>
-                <a:ea typeface="함초롬돋움" panose="020B0604000101010101" pitchFamily="50" charset="-127"/>
-                <a:cs typeface="함초롬돋움" panose="020B0604000101010101" pitchFamily="50" charset="-127"/>
-              </a:rPr>
-              <a:t>, </a:t>
-            </a:r>
-            <a:r>
-              <a:rPr lang="ko-KR" altLang="en-US" sz="3400" b="1" dirty="0">
-                <a:latin typeface="함초롬돋움" panose="020B0604000101010101" pitchFamily="50" charset="-127"/>
-                <a:ea typeface="함초롬돋움" panose="020B0604000101010101" pitchFamily="50" charset="-127"/>
-                <a:cs typeface="함초롬돋움" panose="020B0604000101010101" pitchFamily="50" charset="-127"/>
-              </a:rPr>
-              <a:t>음정 표 기능 미 지원</a:t>
+              <a:t>미 지원</a:t>
             </a:r>
             <a:endParaRPr lang="en-US" altLang="ko-KR" sz="3400" b="1" dirty="0">
               <a:latin typeface="함초롬돋움" panose="020B0604000101010101" pitchFamily="50" charset="-127"/>
@@ -9596,7 +9588,7 @@
                 <a:ea typeface="함초롬돋움" panose="020B0604000101010101" pitchFamily="50" charset="-127"/>
                 <a:cs typeface="함초롬돋움" panose="020B0604000101010101" pitchFamily="50" charset="-127"/>
               </a:rPr>
-              <a:t>자동 로그인</a:t>
+              <a:t>로그인</a:t>
             </a:r>
             <a:endParaRPr lang="en-US" altLang="ko-KR" sz="3600" b="1" dirty="0">
               <a:latin typeface="함초롬돋움" panose="020B0604000101010101" pitchFamily="50" charset="-127"/>
